--- a/presentations/Raspberry Pi 3 - Intro Course.pptx
+++ b/presentations/Raspberry Pi 3 - Intro Course.pptx
@@ -149,7 +149,7 @@
   </p:defaultTextStyle>
   <p:extLst>
     <p:ext uri="{521415D9-36F7-43E2-AB2F-B90AF26B5E84}">
-      <p14:sectionLst xmlns:p14="http://schemas.microsoft.com/office/powerpoint/2010/main" xmlns="">
+      <p14:sectionLst xmlns:p14="http://schemas.microsoft.com/office/powerpoint/2010/main">
         <p14:section name="Default Section" id="{62047639-E70C-4FB8-9482-603728E4A687}">
           <p14:sldIdLst>
             <p14:sldId id="256"/>
@@ -220,23 +220,17 @@
             <p14:sldId id="299"/>
             <p14:sldId id="304"/>
             <p14:sldId id="305"/>
-            <p14:sldId id="306"/>
+            <p14:sldId id="313"/>
           </p14:sldIdLst>
         </p14:section>
         <p14:section name="Gaming with the GPU" id="{5A36325C-9B22-4789-BE5A-31B3713B81E1}">
           <p14:sldIdLst>
             <p14:sldId id="303"/>
-            <p14:sldId id="280"/>
+            <p14:sldId id="314"/>
           </p14:sldIdLst>
         </p14:section>
         <p14:section name="Windows IoT Core" id="{C28884F7-DFF8-419D-A72E-5EAF45E21A6B}">
-          <p14:sldIdLst>
-            <p14:sldId id="307"/>
-            <p14:sldId id="308"/>
-            <p14:sldId id="309"/>
-            <p14:sldId id="310"/>
-            <p14:sldId id="311"/>
-          </p14:sldIdLst>
+          <p14:sldIdLst/>
         </p14:section>
         <p14:section name="Future directions" id="{7DAF9AB4-78C6-47E5-AF8A-49644B5E301A}">
           <p14:sldIdLst>
@@ -1256,13 +1250,13 @@
     </dgm:pt>
   </dgm:ptLst>
   <dgm:cxnLst>
-    <dgm:cxn modelId="{F6E3A754-91CE-4A2E-B4D4-3DF039FADA25}" srcId="{FFE0FD8C-87A8-462A-94B1-105010A6CAFF}" destId="{E3F610CB-FA0C-4386-9D7E-464197CBF400}" srcOrd="0" destOrd="0" parTransId="{4E79DFC4-9B26-459E-8A2A-7BE68D62DF84}" sibTransId="{5A0186A0-A2E2-4747-B0B6-CEE707E2F27A}"/>
     <dgm:cxn modelId="{184A320A-EB69-4399-8CAA-6EC99E3B308B}" type="presOf" srcId="{35819108-3FFC-4A81-ADEF-2EC03DE1DDB3}" destId="{C5A4B4B6-0C50-49A6-BCF0-C5779ADCDE5F}" srcOrd="0" destOrd="0" presId="urn:microsoft.com/office/officeart/2005/8/layout/list1"/>
-    <dgm:cxn modelId="{69B40E25-7AD3-4942-829E-E9A30C1635FF}" type="presOf" srcId="{FFE0FD8C-87A8-462A-94B1-105010A6CAFF}" destId="{25AF3C83-0B18-4CA4-B506-DA2B84EEB017}" srcOrd="0" destOrd="0" presId="urn:microsoft.com/office/officeart/2005/8/layout/list1"/>
     <dgm:cxn modelId="{02428A2E-3C27-40C1-945E-439897210E97}" type="presOf" srcId="{E3F610CB-FA0C-4386-9D7E-464197CBF400}" destId="{DFB7DC90-26E4-4A1B-88AD-01CF8EBD17C1}" srcOrd="1" destOrd="0" presId="urn:microsoft.com/office/officeart/2005/8/layout/list1"/>
-    <dgm:cxn modelId="{26B217FD-D83E-41CA-9063-CD53CCF0C52D}" srcId="{CDDE249C-6D19-4B2F-ADB9-5616448FDC81}" destId="{35819108-3FFC-4A81-ADEF-2EC03DE1DDB3}" srcOrd="0" destOrd="0" parTransId="{3A62127A-1C91-4705-857C-15D1114BC0E5}" sibTransId="{BDFBEC04-8832-499F-9F0D-8DB1DBB9C732}"/>
     <dgm:cxn modelId="{A7550702-AA2C-4E4C-BBD2-F61C57DC0756}" type="presOf" srcId="{E3F610CB-FA0C-4386-9D7E-464197CBF400}" destId="{F7747C5C-9DF1-4503-BC1A-5B5E3D59430A}" srcOrd="0" destOrd="0" presId="urn:microsoft.com/office/officeart/2005/8/layout/list1"/>
     <dgm:cxn modelId="{DFFEA2A2-6E71-4EDC-AB5F-CC5BA36F30E1}" type="presOf" srcId="{CDDE249C-6D19-4B2F-ADB9-5616448FDC81}" destId="{F1F08CAB-A0F5-45E7-A2D8-DD581FA31F06}" srcOrd="1" destOrd="0" presId="urn:microsoft.com/office/officeart/2005/8/layout/list1"/>
+    <dgm:cxn modelId="{26B217FD-D83E-41CA-9063-CD53CCF0C52D}" srcId="{CDDE249C-6D19-4B2F-ADB9-5616448FDC81}" destId="{35819108-3FFC-4A81-ADEF-2EC03DE1DDB3}" srcOrd="0" destOrd="0" parTransId="{3A62127A-1C91-4705-857C-15D1114BC0E5}" sibTransId="{BDFBEC04-8832-499F-9F0D-8DB1DBB9C732}"/>
+    <dgm:cxn modelId="{F6E3A754-91CE-4A2E-B4D4-3DF039FADA25}" srcId="{FFE0FD8C-87A8-462A-94B1-105010A6CAFF}" destId="{E3F610CB-FA0C-4386-9D7E-464197CBF400}" srcOrd="0" destOrd="0" parTransId="{4E79DFC4-9B26-459E-8A2A-7BE68D62DF84}" sibTransId="{5A0186A0-A2E2-4747-B0B6-CEE707E2F27A}"/>
+    <dgm:cxn modelId="{69B40E25-7AD3-4942-829E-E9A30C1635FF}" type="presOf" srcId="{FFE0FD8C-87A8-462A-94B1-105010A6CAFF}" destId="{25AF3C83-0B18-4CA4-B506-DA2B84EEB017}" srcOrd="0" destOrd="0" presId="urn:microsoft.com/office/officeart/2005/8/layout/list1"/>
     <dgm:cxn modelId="{2F3984A6-40EB-4C25-9EB6-7DAD4C5A1397}" type="presOf" srcId="{CDDE249C-6D19-4B2F-ADB9-5616448FDC81}" destId="{E11ED053-364B-4E68-999E-9D3C791997EF}" srcOrd="0" destOrd="0" presId="urn:microsoft.com/office/officeart/2005/8/layout/list1"/>
     <dgm:cxn modelId="{8B69BD00-9697-4CA0-A13D-869E2CC8E16E}" srcId="{FFE0FD8C-87A8-462A-94B1-105010A6CAFF}" destId="{CDDE249C-6D19-4B2F-ADB9-5616448FDC81}" srcOrd="1" destOrd="0" parTransId="{DAD6952A-FF1B-4DCD-B052-8E04AC48FFAD}" sibTransId="{81DAEDD7-97F4-46FE-8A9E-F574FE030A08}"/>
     <dgm:cxn modelId="{1886C7F7-297E-4FC5-9EAE-0B8A55D810E4}" type="presParOf" srcId="{25AF3C83-0B18-4CA4-B506-DA2B84EEB017}" destId="{6D043CE0-395B-4482-8892-C36BAAF5B826}" srcOrd="0" destOrd="0" presId="urn:microsoft.com/office/officeart/2005/8/layout/list1"/>
@@ -1281,7 +1275,7 @@
   <dgm:whole/>
   <dgm:extLst>
     <a:ext uri="http://schemas.microsoft.com/office/drawing/2008/diagram">
-      <dsp:dataModelExt xmlns:dsp="http://schemas.microsoft.com/office/drawing/2008/diagram" xmlns="" relId="rId6" minVer="http://schemas.openxmlformats.org/drawingml/2006/diagram"/>
+      <dsp:dataModelExt xmlns:dsp="http://schemas.microsoft.com/office/drawing/2008/diagram" relId="rId6" minVer="http://schemas.openxmlformats.org/drawingml/2006/diagram"/>
     </a:ext>
   </dgm:extLst>
 </dgm:dataModel>
@@ -2995,7 +2989,7 @@
             <a:fld id="{430CA65A-E178-4765-83FD-215AE9500691}" type="datetimeFigureOut">
               <a:rPr lang="en-US" smtClean="0"/>
               <a:pPr/>
-              <a:t>2/25/2017</a:t>
+              <a:t>4/6/2017</a:t>
             </a:fld>
             <a:endParaRPr lang="en-US"/>
           </a:p>
@@ -3164,7 +3158,7 @@
     </p:spTree>
     <p:extLst>
       <p:ext uri="{BB962C8B-B14F-4D97-AF65-F5344CB8AC3E}">
-        <p14:creationId xmlns:p14="http://schemas.microsoft.com/office/powerpoint/2010/main" xmlns="" val="2478129407"/>
+        <p14:creationId xmlns:p14="http://schemas.microsoft.com/office/powerpoint/2010/main" val="2478129407"/>
       </p:ext>
     </p:extLst>
   </p:cSld>
@@ -3339,7 +3333,7 @@
     </p:spTree>
     <p:extLst>
       <p:ext uri="{BB962C8B-B14F-4D97-AF65-F5344CB8AC3E}">
-        <p14:creationId xmlns:p14="http://schemas.microsoft.com/office/powerpoint/2010/main" xmlns="" val="2583857082"/>
+        <p14:creationId xmlns:p14="http://schemas.microsoft.com/office/powerpoint/2010/main" val="2583857082"/>
       </p:ext>
     </p:extLst>
   </p:cSld>
@@ -3523,7 +3517,7 @@
             <a:fld id="{8E9B366D-A093-45F0-AF49-84A5BABACCDA}" type="datetimeFigureOut">
               <a:rPr lang="en-US" smtClean="0"/>
               <a:pPr/>
-              <a:t>2/25/2017</a:t>
+              <a:t>4/6/2017</a:t>
             </a:fld>
             <a:endParaRPr lang="en-US"/>
           </a:p>
@@ -3690,7 +3684,7 @@
             <a:fld id="{8E9B366D-A093-45F0-AF49-84A5BABACCDA}" type="datetimeFigureOut">
               <a:rPr lang="en-US" smtClean="0"/>
               <a:pPr/>
-              <a:t>2/25/2017</a:t>
+              <a:t>4/6/2017</a:t>
             </a:fld>
             <a:endParaRPr lang="en-US"/>
           </a:p>
@@ -3867,7 +3861,7 @@
             <a:fld id="{8E9B366D-A093-45F0-AF49-84A5BABACCDA}" type="datetimeFigureOut">
               <a:rPr lang="en-US" smtClean="0"/>
               <a:pPr/>
-              <a:t>2/25/2017</a:t>
+              <a:t>4/6/2017</a:t>
             </a:fld>
             <a:endParaRPr lang="en-US"/>
           </a:p>
@@ -4034,7 +4028,7 @@
             <a:fld id="{8E9B366D-A093-45F0-AF49-84A5BABACCDA}" type="datetimeFigureOut">
               <a:rPr lang="en-US" smtClean="0"/>
               <a:pPr/>
-              <a:t>2/25/2017</a:t>
+              <a:t>4/6/2017</a:t>
             </a:fld>
             <a:endParaRPr lang="en-US"/>
           </a:p>
@@ -4095,7 +4089,7 @@
           <a:blip r:embed="rId2">
             <a:extLst>
               <a:ext uri="{28A0092B-C50C-407E-A947-70E740481C1C}">
-                <a14:useLocalDpi xmlns:a14="http://schemas.microsoft.com/office/drawing/2010/main" xmlns="" val="0"/>
+                <a14:useLocalDpi xmlns:a14="http://schemas.microsoft.com/office/drawing/2010/main" val="0"/>
               </a:ext>
             </a:extLst>
           </a:blip>
@@ -4308,7 +4302,7 @@
             <a:fld id="{8E9B366D-A093-45F0-AF49-84A5BABACCDA}" type="datetimeFigureOut">
               <a:rPr lang="en-US" smtClean="0"/>
               <a:pPr/>
-              <a:t>2/25/2017</a:t>
+              <a:t>4/6/2017</a:t>
             </a:fld>
             <a:endParaRPr lang="en-US"/>
           </a:p>
@@ -4574,7 +4568,7 @@
             <a:fld id="{8E9B366D-A093-45F0-AF49-84A5BABACCDA}" type="datetimeFigureOut">
               <a:rPr lang="en-US" smtClean="0"/>
               <a:pPr/>
-              <a:t>2/25/2017</a:t>
+              <a:t>4/6/2017</a:t>
             </a:fld>
             <a:endParaRPr lang="en-US"/>
           </a:p>
@@ -4635,7 +4629,7 @@
           <a:blip r:embed="rId2">
             <a:extLst>
               <a:ext uri="{28A0092B-C50C-407E-A947-70E740481C1C}">
-                <a14:useLocalDpi xmlns:a14="http://schemas.microsoft.com/office/drawing/2010/main" xmlns="" val="0"/>
+                <a14:useLocalDpi xmlns:a14="http://schemas.microsoft.com/office/drawing/2010/main" val="0"/>
               </a:ext>
             </a:extLst>
           </a:blip>
@@ -4984,7 +4978,7 @@
             <a:fld id="{8E9B366D-A093-45F0-AF49-84A5BABACCDA}" type="datetimeFigureOut">
               <a:rPr lang="en-US" smtClean="0"/>
               <a:pPr/>
-              <a:t>2/25/2017</a:t>
+              <a:t>4/6/2017</a:t>
             </a:fld>
             <a:endParaRPr lang="en-US"/>
           </a:p>
@@ -5045,7 +5039,7 @@
           <a:blip r:embed="rId2">
             <a:extLst>
               <a:ext uri="{28A0092B-C50C-407E-A947-70E740481C1C}">
-                <a14:useLocalDpi xmlns:a14="http://schemas.microsoft.com/office/drawing/2010/main" xmlns="" val="0"/>
+                <a14:useLocalDpi xmlns:a14="http://schemas.microsoft.com/office/drawing/2010/main" val="0"/>
               </a:ext>
             </a:extLst>
           </a:blip>
@@ -5166,7 +5160,7 @@
             <a:fld id="{8E9B366D-A093-45F0-AF49-84A5BABACCDA}" type="datetimeFigureOut">
               <a:rPr lang="en-US" smtClean="0"/>
               <a:pPr/>
-              <a:t>2/25/2017</a:t>
+              <a:t>4/6/2017</a:t>
             </a:fld>
             <a:endParaRPr lang="en-US"/>
           </a:p>
@@ -5227,7 +5221,7 @@
           <a:blip r:embed="rId2">
             <a:extLst>
               <a:ext uri="{28A0092B-C50C-407E-A947-70E740481C1C}">
-                <a14:useLocalDpi xmlns:a14="http://schemas.microsoft.com/office/drawing/2010/main" xmlns="" val="0"/>
+                <a14:useLocalDpi xmlns:a14="http://schemas.microsoft.com/office/drawing/2010/main" val="0"/>
               </a:ext>
             </a:extLst>
           </a:blip>
@@ -5288,7 +5282,7 @@
             <a:fld id="{8E9B366D-A093-45F0-AF49-84A5BABACCDA}" type="datetimeFigureOut">
               <a:rPr lang="en-US" smtClean="0"/>
               <a:pPr/>
-              <a:t>2/25/2017</a:t>
+              <a:t>4/6/2017</a:t>
             </a:fld>
             <a:endParaRPr lang="en-US"/>
           </a:p>
@@ -5551,7 +5545,7 @@
             <a:fld id="{8E9B366D-A093-45F0-AF49-84A5BABACCDA}" type="datetimeFigureOut">
               <a:rPr lang="en-US" smtClean="0"/>
               <a:pPr/>
-              <a:t>2/25/2017</a:t>
+              <a:t>4/6/2017</a:t>
             </a:fld>
             <a:endParaRPr lang="en-US"/>
           </a:p>
@@ -5841,7 +5835,7 @@
             <a:fld id="{8E9B366D-A093-45F0-AF49-84A5BABACCDA}" type="datetimeFigureOut">
               <a:rPr lang="en-US" smtClean="0"/>
               <a:pPr/>
-              <a:t>2/25/2017</a:t>
+              <a:t>4/6/2017</a:t>
             </a:fld>
             <a:endParaRPr lang="en-US"/>
           </a:p>
@@ -6614,7 +6608,7 @@
             <a:fld id="{8E9B366D-A093-45F0-AF49-84A5BABACCDA}" type="datetimeFigureOut">
               <a:rPr lang="en-US" smtClean="0"/>
               <a:pPr/>
-              <a:t>2/25/2017</a:t>
+              <a:t>4/6/2017</a:t>
             </a:fld>
             <a:endParaRPr lang="en-US"/>
           </a:p>
@@ -6925,7 +6919,7 @@
           <a:blip r:embed="rId13" cstate="print">
             <a:extLst>
               <a:ext uri="{28A0092B-C50C-407E-A947-70E740481C1C}">
-                <a14:useLocalDpi xmlns:a14="http://schemas.microsoft.com/office/drawing/2010/main" xmlns="" val="0"/>
+                <a14:useLocalDpi xmlns:a14="http://schemas.microsoft.com/office/drawing/2010/main" val="0"/>
               </a:ext>
             </a:extLst>
           </a:blip>
@@ -7270,7 +7264,7 @@
           <p:nvPr>
             <p:extLst>
               <p:ext uri="{D42A27DB-BD31-4B8C-83A1-F6EECF244321}">
-                <p14:modId xmlns:p14="http://schemas.microsoft.com/office/powerpoint/2010/main" xmlns="" val="1882901843"/>
+                <p14:modId xmlns:p14="http://schemas.microsoft.com/office/powerpoint/2010/main" val="1882901843"/>
               </p:ext>
             </p:extLst>
           </p:nvPr>
@@ -7294,10 +7288,10 @@
           <p:nvPr/>
         </p:nvPicPr>
         <p:blipFill>
-          <a:blip r:embed="rId6" cstate="print">
+          <a:blip r:embed="rId7" cstate="print">
             <a:extLst>
               <a:ext uri="{28A0092B-C50C-407E-A947-70E740481C1C}">
-                <a14:useLocalDpi xmlns:a14="http://schemas.microsoft.com/office/drawing/2010/main" xmlns="" val="0"/>
+                <a14:useLocalDpi xmlns:a14="http://schemas.microsoft.com/office/drawing/2010/main" val="0"/>
               </a:ext>
             </a:extLst>
           </a:blip>
@@ -7318,7 +7312,7 @@
     </p:spTree>
     <p:extLst>
       <p:ext uri="{BB962C8B-B14F-4D97-AF65-F5344CB8AC3E}">
-        <p14:creationId xmlns:p14="http://schemas.microsoft.com/office/powerpoint/2010/main" xmlns="" val="2155353296"/>
+        <p14:creationId xmlns:p14="http://schemas.microsoft.com/office/powerpoint/2010/main" val="2155353296"/>
       </p:ext>
     </p:extLst>
   </p:cSld>
@@ -7507,7 +7501,7 @@
     </p:spTree>
     <p:extLst>
       <p:ext uri="{BB962C8B-B14F-4D97-AF65-F5344CB8AC3E}">
-        <p14:creationId xmlns:p14="http://schemas.microsoft.com/office/powerpoint/2010/main" xmlns="" val="4097101219"/>
+        <p14:creationId xmlns:p14="http://schemas.microsoft.com/office/powerpoint/2010/main" val="4097101219"/>
       </p:ext>
     </p:extLst>
   </p:cSld>
@@ -7679,7 +7673,7 @@
     </p:spTree>
     <p:extLst>
       <p:ext uri="{BB962C8B-B14F-4D97-AF65-F5344CB8AC3E}">
-        <p14:creationId xmlns:p14="http://schemas.microsoft.com/office/powerpoint/2010/main" xmlns="" val="541258187"/>
+        <p14:creationId xmlns:p14="http://schemas.microsoft.com/office/powerpoint/2010/main" val="541258187"/>
       </p:ext>
     </p:extLst>
   </p:cSld>
@@ -7894,7 +7888,7 @@
     </p:spTree>
     <p:extLst>
       <p:ext uri="{BB962C8B-B14F-4D97-AF65-F5344CB8AC3E}">
-        <p14:creationId xmlns:p14="http://schemas.microsoft.com/office/powerpoint/2010/main" xmlns="" val="2448622817"/>
+        <p14:creationId xmlns:p14="http://schemas.microsoft.com/office/powerpoint/2010/main" val="2448622817"/>
       </p:ext>
     </p:extLst>
   </p:cSld>
@@ -8204,7 +8198,7 @@
     </p:spTree>
     <p:extLst>
       <p:ext uri="{BB962C8B-B14F-4D97-AF65-F5344CB8AC3E}">
-        <p14:creationId xmlns:p14="http://schemas.microsoft.com/office/powerpoint/2010/main" xmlns="" val="509936512"/>
+        <p14:creationId xmlns:p14="http://schemas.microsoft.com/office/powerpoint/2010/main" val="509936512"/>
       </p:ext>
     </p:extLst>
   </p:cSld>
@@ -8441,7 +8435,7 @@
     </p:spTree>
     <p:extLst>
       <p:ext uri="{BB962C8B-B14F-4D97-AF65-F5344CB8AC3E}">
-        <p14:creationId xmlns:p14="http://schemas.microsoft.com/office/powerpoint/2010/main" xmlns="" val="1254658268"/>
+        <p14:creationId xmlns:p14="http://schemas.microsoft.com/office/powerpoint/2010/main" val="1254658268"/>
       </p:ext>
     </p:extLst>
   </p:cSld>
@@ -8593,7 +8587,7 @@
     </p:spTree>
     <p:extLst>
       <p:ext uri="{BB962C8B-B14F-4D97-AF65-F5344CB8AC3E}">
-        <p14:creationId xmlns:p14="http://schemas.microsoft.com/office/powerpoint/2010/main" xmlns="" val="4147364683"/>
+        <p14:creationId xmlns:p14="http://schemas.microsoft.com/office/powerpoint/2010/main" val="4147364683"/>
       </p:ext>
     </p:extLst>
   </p:cSld>
@@ -8777,7 +8771,7 @@
     </p:spTree>
     <p:extLst>
       <p:ext uri="{BB962C8B-B14F-4D97-AF65-F5344CB8AC3E}">
-        <p14:creationId xmlns:p14="http://schemas.microsoft.com/office/powerpoint/2010/main" xmlns="" val="2672238896"/>
+        <p14:creationId xmlns:p14="http://schemas.microsoft.com/office/powerpoint/2010/main" val="2672238896"/>
       </p:ext>
     </p:extLst>
   </p:cSld>
@@ -8943,7 +8937,7 @@
     </p:spTree>
     <p:extLst>
       <p:ext uri="{BB962C8B-B14F-4D97-AF65-F5344CB8AC3E}">
-        <p14:creationId xmlns:p14="http://schemas.microsoft.com/office/powerpoint/2010/main" xmlns="" val="1627294316"/>
+        <p14:creationId xmlns:p14="http://schemas.microsoft.com/office/powerpoint/2010/main" val="1627294316"/>
       </p:ext>
     </p:extLst>
   </p:cSld>
@@ -9059,7 +9053,7 @@
     </p:spTree>
     <p:extLst>
       <p:ext uri="{BB962C8B-B14F-4D97-AF65-F5344CB8AC3E}">
-        <p14:creationId xmlns:p14="http://schemas.microsoft.com/office/powerpoint/2010/main" xmlns="" val="1781057310"/>
+        <p14:creationId xmlns:p14="http://schemas.microsoft.com/office/powerpoint/2010/main" val="1781057310"/>
       </p:ext>
     </p:extLst>
   </p:cSld>
@@ -9474,7 +9468,7 @@
     </p:spTree>
     <p:extLst>
       <p:ext uri="{BB962C8B-B14F-4D97-AF65-F5344CB8AC3E}">
-        <p14:creationId xmlns:p14="http://schemas.microsoft.com/office/powerpoint/2010/main" xmlns="" val="910347878"/>
+        <p14:creationId xmlns:p14="http://schemas.microsoft.com/office/powerpoint/2010/main" val="910347878"/>
       </p:ext>
     </p:extLst>
   </p:cSld>
@@ -9605,7 +9599,7 @@
     </p:spTree>
     <p:extLst>
       <p:ext uri="{BB962C8B-B14F-4D97-AF65-F5344CB8AC3E}">
-        <p14:creationId xmlns:p14="http://schemas.microsoft.com/office/powerpoint/2010/main" xmlns="" val="3586806407"/>
+        <p14:creationId xmlns:p14="http://schemas.microsoft.com/office/powerpoint/2010/main" val="3586806407"/>
       </p:ext>
     </p:extLst>
   </p:cSld>
@@ -9791,7 +9785,7 @@
     </p:spTree>
     <p:extLst>
       <p:ext uri="{BB962C8B-B14F-4D97-AF65-F5344CB8AC3E}">
-        <p14:creationId xmlns:p14="http://schemas.microsoft.com/office/powerpoint/2010/main" xmlns="" val="3396342309"/>
+        <p14:creationId xmlns:p14="http://schemas.microsoft.com/office/powerpoint/2010/main" val="3396342309"/>
       </p:ext>
     </p:extLst>
   </p:cSld>
@@ -9970,7 +9964,7 @@
     </p:spTree>
     <p:extLst>
       <p:ext uri="{BB962C8B-B14F-4D97-AF65-F5344CB8AC3E}">
-        <p14:creationId xmlns:p14="http://schemas.microsoft.com/office/powerpoint/2010/main" xmlns="" val="2180995093"/>
+        <p14:creationId xmlns:p14="http://schemas.microsoft.com/office/powerpoint/2010/main" val="2180995093"/>
       </p:ext>
     </p:extLst>
   </p:cSld>
@@ -10124,7 +10118,7 @@
     </p:spTree>
     <p:extLst>
       <p:ext uri="{BB962C8B-B14F-4D97-AF65-F5344CB8AC3E}">
-        <p14:creationId xmlns:p14="http://schemas.microsoft.com/office/powerpoint/2010/main" xmlns="" val="3214908413"/>
+        <p14:creationId xmlns:p14="http://schemas.microsoft.com/office/powerpoint/2010/main" val="3214908413"/>
       </p:ext>
     </p:extLst>
   </p:cSld>
@@ -10195,7 +10189,7 @@
           <a:blip r:embed="rId2" cstate="print">
             <a:extLst>
               <a:ext uri="{28A0092B-C50C-407E-A947-70E740481C1C}">
-                <a14:useLocalDpi xmlns:a14="http://schemas.microsoft.com/office/drawing/2010/main" xmlns="" val="0"/>
+                <a14:useLocalDpi xmlns:a14="http://schemas.microsoft.com/office/drawing/2010/main" val="0"/>
               </a:ext>
             </a:extLst>
           </a:blip>
@@ -10213,7 +10207,7 @@
     </p:spTree>
     <p:extLst>
       <p:ext uri="{BB962C8B-B14F-4D97-AF65-F5344CB8AC3E}">
-        <p14:creationId xmlns:p14="http://schemas.microsoft.com/office/powerpoint/2010/main" xmlns="" val="212339322"/>
+        <p14:creationId xmlns:p14="http://schemas.microsoft.com/office/powerpoint/2010/main" val="212339322"/>
       </p:ext>
     </p:extLst>
   </p:cSld>
@@ -10582,7 +10576,7 @@
     </p:spTree>
     <p:extLst>
       <p:ext uri="{BB962C8B-B14F-4D97-AF65-F5344CB8AC3E}">
-        <p14:creationId xmlns:p14="http://schemas.microsoft.com/office/powerpoint/2010/main" xmlns="" val="1764123616"/>
+        <p14:creationId xmlns:p14="http://schemas.microsoft.com/office/powerpoint/2010/main" val="1764123616"/>
       </p:ext>
     </p:extLst>
   </p:cSld>
@@ -10829,7 +10823,7 @@
     </p:spTree>
     <p:extLst>
       <p:ext uri="{BB962C8B-B14F-4D97-AF65-F5344CB8AC3E}">
-        <p14:creationId xmlns:p14="http://schemas.microsoft.com/office/powerpoint/2010/main" xmlns="" val="3601550518"/>
+        <p14:creationId xmlns:p14="http://schemas.microsoft.com/office/powerpoint/2010/main" val="3601550518"/>
       </p:ext>
     </p:extLst>
   </p:cSld>
@@ -11287,7 +11281,7 @@
     </p:spTree>
     <p:extLst>
       <p:ext uri="{BB962C8B-B14F-4D97-AF65-F5344CB8AC3E}">
-        <p14:creationId xmlns:p14="http://schemas.microsoft.com/office/powerpoint/2010/main" xmlns="" val="3471971679"/>
+        <p14:creationId xmlns:p14="http://schemas.microsoft.com/office/powerpoint/2010/main" val="3471971679"/>
       </p:ext>
     </p:extLst>
   </p:cSld>
@@ -11566,7 +11560,7 @@
     </p:spTree>
     <p:extLst>
       <p:ext uri="{BB962C8B-B14F-4D97-AF65-F5344CB8AC3E}">
-        <p14:creationId xmlns:p14="http://schemas.microsoft.com/office/powerpoint/2010/main" xmlns="" val="2849534759"/>
+        <p14:creationId xmlns:p14="http://schemas.microsoft.com/office/powerpoint/2010/main" val="2849534759"/>
       </p:ext>
     </p:extLst>
   </p:cSld>
@@ -11737,7 +11731,7 @@
     </p:spTree>
     <p:extLst>
       <p:ext uri="{BB962C8B-B14F-4D97-AF65-F5344CB8AC3E}">
-        <p14:creationId xmlns:p14="http://schemas.microsoft.com/office/powerpoint/2010/main" xmlns="" val="680694267"/>
+        <p14:creationId xmlns:p14="http://schemas.microsoft.com/office/powerpoint/2010/main" val="680694267"/>
       </p:ext>
     </p:extLst>
   </p:cSld>
@@ -11923,7 +11917,7 @@
     </p:spTree>
     <p:extLst>
       <p:ext uri="{BB962C8B-B14F-4D97-AF65-F5344CB8AC3E}">
-        <p14:creationId xmlns:p14="http://schemas.microsoft.com/office/powerpoint/2010/main" xmlns="" val="1698999199"/>
+        <p14:creationId xmlns:p14="http://schemas.microsoft.com/office/powerpoint/2010/main" val="1698999199"/>
       </p:ext>
     </p:extLst>
   </p:cSld>
@@ -12085,7 +12079,7 @@
     </p:spTree>
     <p:extLst>
       <p:ext uri="{BB962C8B-B14F-4D97-AF65-F5344CB8AC3E}">
-        <p14:creationId xmlns:p14="http://schemas.microsoft.com/office/powerpoint/2010/main" xmlns="" val="3932058800"/>
+        <p14:creationId xmlns:p14="http://schemas.microsoft.com/office/powerpoint/2010/main" val="3932058800"/>
       </p:ext>
     </p:extLst>
   </p:cSld>
@@ -12256,7 +12250,7 @@
     </p:spTree>
     <p:extLst>
       <p:ext uri="{BB962C8B-B14F-4D97-AF65-F5344CB8AC3E}">
-        <p14:creationId xmlns:p14="http://schemas.microsoft.com/office/powerpoint/2010/main" xmlns="" val="2145508039"/>
+        <p14:creationId xmlns:p14="http://schemas.microsoft.com/office/powerpoint/2010/main" val="2145508039"/>
       </p:ext>
     </p:extLst>
   </p:cSld>
@@ -12504,7 +12498,7 @@
     </p:spTree>
     <p:extLst>
       <p:ext uri="{BB962C8B-B14F-4D97-AF65-F5344CB8AC3E}">
-        <p14:creationId xmlns:p14="http://schemas.microsoft.com/office/powerpoint/2010/main" xmlns="" val="1463247249"/>
+        <p14:creationId xmlns:p14="http://schemas.microsoft.com/office/powerpoint/2010/main" val="1463247249"/>
       </p:ext>
     </p:extLst>
   </p:cSld>
@@ -12707,7 +12701,7 @@
     </p:spTree>
     <p:extLst>
       <p:ext uri="{BB962C8B-B14F-4D97-AF65-F5344CB8AC3E}">
-        <p14:creationId xmlns:p14="http://schemas.microsoft.com/office/powerpoint/2010/main" xmlns="" val="393141808"/>
+        <p14:creationId xmlns:p14="http://schemas.microsoft.com/office/powerpoint/2010/main" val="393141808"/>
       </p:ext>
     </p:extLst>
   </p:cSld>
@@ -12972,7 +12966,7 @@
     </p:spTree>
     <p:extLst>
       <p:ext uri="{BB962C8B-B14F-4D97-AF65-F5344CB8AC3E}">
-        <p14:creationId xmlns:p14="http://schemas.microsoft.com/office/powerpoint/2010/main" xmlns="" val="3549776315"/>
+        <p14:creationId xmlns:p14="http://schemas.microsoft.com/office/powerpoint/2010/main" val="3549776315"/>
       </p:ext>
     </p:extLst>
   </p:cSld>
@@ -13288,7 +13282,7 @@
     </p:spTree>
     <p:extLst>
       <p:ext uri="{BB962C8B-B14F-4D97-AF65-F5344CB8AC3E}">
-        <p14:creationId xmlns:p14="http://schemas.microsoft.com/office/powerpoint/2010/main" xmlns="" val="1766003808"/>
+        <p14:creationId xmlns:p14="http://schemas.microsoft.com/office/powerpoint/2010/main" val="1766003808"/>
       </p:ext>
     </p:extLst>
   </p:cSld>
@@ -13476,7 +13470,7 @@
     </p:spTree>
     <p:extLst>
       <p:ext uri="{BB962C8B-B14F-4D97-AF65-F5344CB8AC3E}">
-        <p14:creationId xmlns:p14="http://schemas.microsoft.com/office/powerpoint/2010/main" xmlns="" val="1784531435"/>
+        <p14:creationId xmlns:p14="http://schemas.microsoft.com/office/powerpoint/2010/main" val="1784531435"/>
       </p:ext>
     </p:extLst>
   </p:cSld>
@@ -13808,7 +13802,7 @@
     </p:spTree>
     <p:extLst>
       <p:ext uri="{BB962C8B-B14F-4D97-AF65-F5344CB8AC3E}">
-        <p14:creationId xmlns:p14="http://schemas.microsoft.com/office/powerpoint/2010/main" xmlns="" val="998180248"/>
+        <p14:creationId xmlns:p14="http://schemas.microsoft.com/office/powerpoint/2010/main" val="998180248"/>
       </p:ext>
     </p:extLst>
   </p:cSld>
@@ -13863,15 +13857,7 @@
             </a:r>
             <a:r>
               <a:rPr lang="en-US" dirty="0" smtClean="0"/>
-              <a:t>: </a:t>
-            </a:r>
-            <a:r>
-              <a:rPr lang="en-US" dirty="0" smtClean="0"/>
-              <a:t>Surveillance </a:t>
-            </a:r>
-            <a:r>
-              <a:rPr lang="en-US" dirty="0" smtClean="0"/>
-              <a:t>(Jessie)</a:t>
+              <a:t>: Surveillance (Jessie)</a:t>
             </a:r>
             <a:endParaRPr lang="en-US" dirty="0"/>
           </a:p>
@@ -14155,13 +14141,8 @@
             </a:r>
             <a:r>
               <a:rPr lang="en-US" sz="1800" dirty="0" smtClean="0"/>
-              <a:t> </a:t>
-            </a:r>
-            <a:r>
-              <a:rPr lang="en-US" sz="1800" dirty="0" smtClean="0"/>
-              <a:t>0</a:t>
-            </a:r>
-            <a:endParaRPr lang="en-US" sz="1800" dirty="0" smtClean="0"/>
+              <a:t> 0</a:t>
+            </a:r>
           </a:p>
           <a:p>
             <a:pPr lvl="1"/>
@@ -14242,7 +14223,7 @@
     </p:spTree>
     <p:extLst>
       <p:ext uri="{BB962C8B-B14F-4D97-AF65-F5344CB8AC3E}">
-        <p14:creationId xmlns:p14="http://schemas.microsoft.com/office/powerpoint/2010/main" xmlns="" val="2184685799"/>
+        <p14:creationId xmlns:p14="http://schemas.microsoft.com/office/powerpoint/2010/main" val="2184685799"/>
       </p:ext>
     </p:extLst>
   </p:cSld>
@@ -14483,7 +14464,7 @@
     </p:spTree>
     <p:extLst>
       <p:ext uri="{BB962C8B-B14F-4D97-AF65-F5344CB8AC3E}">
-        <p14:creationId xmlns:p14="http://schemas.microsoft.com/office/powerpoint/2010/main" xmlns="" val="3247740817"/>
+        <p14:creationId xmlns:p14="http://schemas.microsoft.com/office/powerpoint/2010/main" val="3247740817"/>
       </p:ext>
     </p:extLst>
   </p:cSld>
@@ -14828,17 +14809,12 @@
               <a:rPr lang="en-US" sz="2500" dirty="0" smtClean="0"/>
               <a:t> directory</a:t>
             </a:r>
-            <a:endParaRPr lang="en-US" sz="2500" dirty="0" smtClean="0"/>
           </a:p>
           <a:p>
             <a:pPr lvl="1"/>
             <a:r>
               <a:rPr lang="en-US" sz="2500" dirty="0" smtClean="0"/>
-              <a:t>Type </a:t>
-            </a:r>
-            <a:r>
-              <a:rPr lang="en-US" sz="2500" dirty="0" smtClean="0"/>
-              <a:t>“./ioquake3.arm” from a </a:t>
+              <a:t>Type “./ioquake3.arm” from a </a:t>
             </a:r>
             <a:r>
               <a:rPr lang="en-US" sz="2500" dirty="0" err="1" smtClean="0"/>
@@ -14884,7 +14860,7 @@
     </p:spTree>
     <p:extLst>
       <p:ext uri="{BB962C8B-B14F-4D97-AF65-F5344CB8AC3E}">
-        <p14:creationId xmlns:p14="http://schemas.microsoft.com/office/powerpoint/2010/main" xmlns="" val="2999629093"/>
+        <p14:creationId xmlns:p14="http://schemas.microsoft.com/office/powerpoint/2010/main" val="2999629093"/>
       </p:ext>
     </p:extLst>
   </p:cSld>
@@ -15052,7 +15028,7 @@
     </p:spTree>
     <p:extLst>
       <p:ext uri="{BB962C8B-B14F-4D97-AF65-F5344CB8AC3E}">
-        <p14:creationId xmlns:p14="http://schemas.microsoft.com/office/powerpoint/2010/main" xmlns="" val="944538823"/>
+        <p14:creationId xmlns:p14="http://schemas.microsoft.com/office/powerpoint/2010/main" val="944538823"/>
       </p:ext>
     </p:extLst>
   </p:cSld>
@@ -15220,7 +15196,7 @@
     </p:spTree>
     <p:extLst>
       <p:ext uri="{BB962C8B-B14F-4D97-AF65-F5344CB8AC3E}">
-        <p14:creationId xmlns:p14="http://schemas.microsoft.com/office/powerpoint/2010/main" xmlns="" val="1356597860"/>
+        <p14:creationId xmlns:p14="http://schemas.microsoft.com/office/powerpoint/2010/main" val="1356597860"/>
       </p:ext>
     </p:extLst>
   </p:cSld>
@@ -15336,7 +15312,7 @@
     </p:spTree>
     <p:extLst>
       <p:ext uri="{BB962C8B-B14F-4D97-AF65-F5344CB8AC3E}">
-        <p14:creationId xmlns:p14="http://schemas.microsoft.com/office/powerpoint/2010/main" xmlns="" val="2739010461"/>
+        <p14:creationId xmlns:p14="http://schemas.microsoft.com/office/powerpoint/2010/main" val="2739010461"/>
       </p:ext>
     </p:extLst>
   </p:cSld>
@@ -15535,7 +15511,7 @@
     </p:spTree>
     <p:extLst>
       <p:ext uri="{BB962C8B-B14F-4D97-AF65-F5344CB8AC3E}">
-        <p14:creationId xmlns:p14="http://schemas.microsoft.com/office/powerpoint/2010/main" xmlns="" val="2685162482"/>
+        <p14:creationId xmlns:p14="http://schemas.microsoft.com/office/powerpoint/2010/main" val="2685162482"/>
       </p:ext>
     </p:extLst>
   </p:cSld>
@@ -15612,7 +15588,7 @@
           <a:blip r:embed="rId2">
             <a:extLst>
               <a:ext uri="{28A0092B-C50C-407E-A947-70E740481C1C}">
-                <a14:useLocalDpi xmlns:a14="http://schemas.microsoft.com/office/drawing/2010/main" xmlns="" val="0"/>
+                <a14:useLocalDpi xmlns:a14="http://schemas.microsoft.com/office/drawing/2010/main" val="0"/>
               </a:ext>
             </a:extLst>
           </a:blip>
@@ -15630,7 +15606,7 @@
     </p:spTree>
     <p:extLst>
       <p:ext uri="{BB962C8B-B14F-4D97-AF65-F5344CB8AC3E}">
-        <p14:creationId xmlns:p14="http://schemas.microsoft.com/office/powerpoint/2010/main" xmlns="" val="2659251938"/>
+        <p14:creationId xmlns:p14="http://schemas.microsoft.com/office/powerpoint/2010/main" val="2659251938"/>
       </p:ext>
     </p:extLst>
   </p:cSld>
@@ -15695,7 +15671,7 @@
       </p:sp>
       <p:pic>
         <p:nvPicPr>
-          <p:cNvPr id="4" name="Content Placeholder 3"/>
+          <p:cNvPr id="5" name="Content Placeholder 4"/>
           <p:cNvPicPr>
             <a:picLocks noGrp="1" noChangeAspect="1"/>
           </p:cNvPicPr>
@@ -15707,7 +15683,7 @@
           <a:blip r:embed="rId2">
             <a:extLst>
               <a:ext uri="{28A0092B-C50C-407E-A947-70E740481C1C}">
-                <a14:useLocalDpi xmlns:a14="http://schemas.microsoft.com/office/drawing/2010/main" xmlns="" val="0"/>
+                <a14:useLocalDpi xmlns:a14="http://schemas.microsoft.com/office/drawing/2010/main" val="0"/>
               </a:ext>
             </a:extLst>
           </a:blip>
@@ -15717,15 +15693,15 @@
         </p:blipFill>
         <p:spPr>
           <a:xfrm>
-            <a:off x="1331640" y="2420888"/>
-            <a:ext cx="6285686" cy="3486812"/>
+            <a:off x="1524380" y="2206072"/>
+            <a:ext cx="6095239" cy="3847619"/>
           </a:xfrm>
         </p:spPr>
       </p:pic>
     </p:spTree>
     <p:extLst>
       <p:ext uri="{BB962C8B-B14F-4D97-AF65-F5344CB8AC3E}">
-        <p14:creationId xmlns:p14="http://schemas.microsoft.com/office/powerpoint/2010/main" xmlns="" val="3073538737"/>
+        <p14:creationId xmlns:p14="http://schemas.microsoft.com/office/powerpoint/2010/main" val="3073538737"/>
       </p:ext>
     </p:extLst>
   </p:cSld>
@@ -15800,7 +15776,7 @@
           <a:blip r:embed="rId2">
             <a:extLst>
               <a:ext uri="{28A0092B-C50C-407E-A947-70E740481C1C}">
-                <a14:useLocalDpi xmlns:a14="http://schemas.microsoft.com/office/drawing/2010/main" xmlns="" val="0"/>
+                <a14:useLocalDpi xmlns:a14="http://schemas.microsoft.com/office/drawing/2010/main" val="0"/>
               </a:ext>
             </a:extLst>
           </a:blip>
@@ -15818,7 +15794,7 @@
     </p:spTree>
     <p:extLst>
       <p:ext uri="{BB962C8B-B14F-4D97-AF65-F5344CB8AC3E}">
-        <p14:creationId xmlns:p14="http://schemas.microsoft.com/office/powerpoint/2010/main" xmlns="" val="4190670744"/>
+        <p14:creationId xmlns:p14="http://schemas.microsoft.com/office/powerpoint/2010/main" val="4190670744"/>
       </p:ext>
     </p:extLst>
   </p:cSld>
@@ -15873,11 +15849,7 @@
             </a:r>
             <a:r>
               <a:rPr lang="en-US" smtClean="0"/>
-              <a:t> </a:t>
-            </a:r>
-            <a:r>
-              <a:rPr lang="en-US" smtClean="0"/>
-              <a:t>3 – </a:t>
+              <a:t> 3 – </a:t>
             </a:r>
             <a:r>
               <a:rPr lang="en-US" dirty="0" smtClean="0"/>
@@ -16312,7 +16284,7 @@
     </p:spTree>
     <p:extLst>
       <p:ext uri="{BB962C8B-B14F-4D97-AF65-F5344CB8AC3E}">
-        <p14:creationId xmlns:p14="http://schemas.microsoft.com/office/powerpoint/2010/main" xmlns="" val="2549168465"/>
+        <p14:creationId xmlns:p14="http://schemas.microsoft.com/office/powerpoint/2010/main" val="2549168465"/>
       </p:ext>
     </p:extLst>
   </p:cSld>
